--- a/10 Applied data science capstone/Week 5 Present Your Data-Driven Insights/Data Science Journey.pptx
+++ b/10 Applied data science capstone/Week 5 Present Your Data-Driven Insights/Data Science Journey.pptx
@@ -169,6 +169,209 @@
 </p:presentation>
 </file>
 
+<file path=ppt/revisionInfo.xml><?xml version="1.0" encoding="utf-8"?>
+<p1510:revInfo xmlns:a="http://schemas.openxmlformats.org/drawingml/2006/main" xmlns:r="http://schemas.openxmlformats.org/officeDocument/2006/relationships" xmlns:p1510="http://schemas.microsoft.com/office/powerpoint/2015/10/main">
+  <p1510:revLst>
+    <p1510:client id="{29C21402-E16D-2BC0-6D9B-4C89C4BD6BE0}" v="181" dt="2023-11-30T16:19:19.300"/>
+  </p1510:revLst>
+</p1510:revInfo>
+</file>
+
+<file path=ppt/changesInfos/changesInfo1.xml><?xml version="1.0" encoding="utf-8"?>
+<pc:chgInfo xmlns:a="http://schemas.openxmlformats.org/drawingml/2006/main" xmlns:r="http://schemas.openxmlformats.org/officeDocument/2006/relationships" xmlns:ac="http://schemas.microsoft.com/office/drawing/2013/main/command" xmlns:pc="http://schemas.microsoft.com/office/powerpoint/2013/main/command">
+  <pc:docChgLst>
+    <pc:chgData name="Tushar Raha" userId="S::vvit12207@vidyavihar.org::a32fdf83-2292-4f70-b7a9-eefdfae2a454" providerId="AD" clId="Web-{29C21402-E16D-2BC0-6D9B-4C89C4BD6BE0}"/>
+    <pc:docChg chg="modSld">
+      <pc:chgData name="Tushar Raha" userId="S::vvit12207@vidyavihar.org::a32fdf83-2292-4f70-b7a9-eefdfae2a454" providerId="AD" clId="Web-{29C21402-E16D-2BC0-6D9B-4C89C4BD6BE0}" dt="2023-11-30T16:19:19.284" v="91" actId="20577"/>
+      <pc:docMkLst>
+        <pc:docMk/>
+      </pc:docMkLst>
+      <pc:sldChg chg="modSp">
+        <pc:chgData name="Tushar Raha" userId="S::vvit12207@vidyavihar.org::a32fdf83-2292-4f70-b7a9-eefdfae2a454" providerId="AD" clId="Web-{29C21402-E16D-2BC0-6D9B-4C89C4BD6BE0}" dt="2023-11-30T16:03:07.144" v="22" actId="20577"/>
+        <pc:sldMkLst>
+          <pc:docMk/>
+          <pc:sldMk cId="0" sldId="256"/>
+        </pc:sldMkLst>
+        <pc:spChg chg="mod">
+          <ac:chgData name="Tushar Raha" userId="S::vvit12207@vidyavihar.org::a32fdf83-2292-4f70-b7a9-eefdfae2a454" providerId="AD" clId="Web-{29C21402-E16D-2BC0-6D9B-4C89C4BD6BE0}" dt="2023-11-30T16:03:07.144" v="22" actId="20577"/>
+          <ac:spMkLst>
+            <pc:docMk/>
+            <pc:sldMk cId="0" sldId="256"/>
+            <ac:spMk id="7" creationId="{00000000-0000-0000-0000-000000000000}"/>
+          </ac:spMkLst>
+        </pc:spChg>
+      </pc:sldChg>
+      <pc:sldChg chg="modSp">
+        <pc:chgData name="Tushar Raha" userId="S::vvit12207@vidyavihar.org::a32fdf83-2292-4f70-b7a9-eefdfae2a454" providerId="AD" clId="Web-{29C21402-E16D-2BC0-6D9B-4C89C4BD6BE0}" dt="2023-11-30T16:08:42.321" v="38" actId="20577"/>
+        <pc:sldMkLst>
+          <pc:docMk/>
+          <pc:sldMk cId="0" sldId="263"/>
+        </pc:sldMkLst>
+        <pc:spChg chg="mod">
+          <ac:chgData name="Tushar Raha" userId="S::vvit12207@vidyavihar.org::a32fdf83-2292-4f70-b7a9-eefdfae2a454" providerId="AD" clId="Web-{29C21402-E16D-2BC0-6D9B-4C89C4BD6BE0}" dt="2023-11-30T16:08:42.321" v="38" actId="20577"/>
+          <ac:spMkLst>
+            <pc:docMk/>
+            <pc:sldMk cId="0" sldId="263"/>
+            <ac:spMk id="54" creationId="{00000000-0000-0000-0000-000000000000}"/>
+          </ac:spMkLst>
+        </pc:spChg>
+      </pc:sldChg>
+      <pc:sldChg chg="modSp">
+        <pc:chgData name="Tushar Raha" userId="S::vvit12207@vidyavihar.org::a32fdf83-2292-4f70-b7a9-eefdfae2a454" providerId="AD" clId="Web-{29C21402-E16D-2BC0-6D9B-4C89C4BD6BE0}" dt="2023-11-30T16:07:38.352" v="32" actId="20577"/>
+        <pc:sldMkLst>
+          <pc:docMk/>
+          <pc:sldMk cId="0" sldId="264"/>
+        </pc:sldMkLst>
+        <pc:spChg chg="mod">
+          <ac:chgData name="Tushar Raha" userId="S::vvit12207@vidyavihar.org::a32fdf83-2292-4f70-b7a9-eefdfae2a454" providerId="AD" clId="Web-{29C21402-E16D-2BC0-6D9B-4C89C4BD6BE0}" dt="2023-11-30T16:07:38.352" v="32" actId="20577"/>
+          <ac:spMkLst>
+            <pc:docMk/>
+            <pc:sldMk cId="0" sldId="264"/>
+            <ac:spMk id="47" creationId="{00000000-0000-0000-0000-000000000000}"/>
+          </ac:spMkLst>
+        </pc:spChg>
+      </pc:sldChg>
+      <pc:sldChg chg="modSp">
+        <pc:chgData name="Tushar Raha" userId="S::vvit12207@vidyavihar.org::a32fdf83-2292-4f70-b7a9-eefdfae2a454" providerId="AD" clId="Web-{29C21402-E16D-2BC0-6D9B-4C89C4BD6BE0}" dt="2023-11-30T16:10:01.713" v="46" actId="1076"/>
+        <pc:sldMkLst>
+          <pc:docMk/>
+          <pc:sldMk cId="0" sldId="265"/>
+        </pc:sldMkLst>
+        <pc:spChg chg="mod">
+          <ac:chgData name="Tushar Raha" userId="S::vvit12207@vidyavihar.org::a32fdf83-2292-4f70-b7a9-eefdfae2a454" providerId="AD" clId="Web-{29C21402-E16D-2BC0-6D9B-4C89C4BD6BE0}" dt="2023-11-30T16:10:01.713" v="46" actId="1076"/>
+          <ac:spMkLst>
+            <pc:docMk/>
+            <pc:sldMk cId="0" sldId="265"/>
+            <ac:spMk id="4" creationId="{00000000-0000-0000-0000-000000000000}"/>
+          </ac:spMkLst>
+        </pc:spChg>
+      </pc:sldChg>
+      <pc:sldChg chg="modSp">
+        <pc:chgData name="Tushar Raha" userId="S::vvit12207@vidyavihar.org::a32fdf83-2292-4f70-b7a9-eefdfae2a454" providerId="AD" clId="Web-{29C21402-E16D-2BC0-6D9B-4C89C4BD6BE0}" dt="2023-11-30T16:13:36.217" v="75" actId="14100"/>
+        <pc:sldMkLst>
+          <pc:docMk/>
+          <pc:sldMk cId="0" sldId="266"/>
+        </pc:sldMkLst>
+        <pc:spChg chg="mod">
+          <ac:chgData name="Tushar Raha" userId="S::vvit12207@vidyavihar.org::a32fdf83-2292-4f70-b7a9-eefdfae2a454" providerId="AD" clId="Web-{29C21402-E16D-2BC0-6D9B-4C89C4BD6BE0}" dt="2023-11-30T16:13:36.217" v="75" actId="14100"/>
+          <ac:spMkLst>
+            <pc:docMk/>
+            <pc:sldMk cId="0" sldId="266"/>
+            <ac:spMk id="3" creationId="{00000000-0000-0000-0000-000000000000}"/>
+          </ac:spMkLst>
+        </pc:spChg>
+        <pc:spChg chg="mod">
+          <ac:chgData name="Tushar Raha" userId="S::vvit12207@vidyavihar.org::a32fdf83-2292-4f70-b7a9-eefdfae2a454" providerId="AD" clId="Web-{29C21402-E16D-2BC0-6D9B-4C89C4BD6BE0}" dt="2023-11-30T16:11:42.777" v="51" actId="20577"/>
+          <ac:spMkLst>
+            <pc:docMk/>
+            <pc:sldMk cId="0" sldId="266"/>
+            <ac:spMk id="4" creationId="{00000000-0000-0000-0000-000000000000}"/>
+          </ac:spMkLst>
+        </pc:spChg>
+      </pc:sldChg>
+      <pc:sldChg chg="modSp">
+        <pc:chgData name="Tushar Raha" userId="S::vvit12207@vidyavihar.org::a32fdf83-2292-4f70-b7a9-eefdfae2a454" providerId="AD" clId="Web-{29C21402-E16D-2BC0-6D9B-4C89C4BD6BE0}" dt="2023-11-30T16:13:20.388" v="70" actId="14100"/>
+        <pc:sldMkLst>
+          <pc:docMk/>
+          <pc:sldMk cId="0" sldId="267"/>
+        </pc:sldMkLst>
+        <pc:spChg chg="mod">
+          <ac:chgData name="Tushar Raha" userId="S::vvit12207@vidyavihar.org::a32fdf83-2292-4f70-b7a9-eefdfae2a454" providerId="AD" clId="Web-{29C21402-E16D-2BC0-6D9B-4C89C4BD6BE0}" dt="2023-11-30T16:13:20.388" v="70" actId="14100"/>
+          <ac:spMkLst>
+            <pc:docMk/>
+            <pc:sldMk cId="0" sldId="267"/>
+            <ac:spMk id="3" creationId="{00000000-0000-0000-0000-000000000000}"/>
+          </ac:spMkLst>
+        </pc:spChg>
+        <pc:spChg chg="mod">
+          <ac:chgData name="Tushar Raha" userId="S::vvit12207@vidyavihar.org::a32fdf83-2292-4f70-b7a9-eefdfae2a454" providerId="AD" clId="Web-{29C21402-E16D-2BC0-6D9B-4C89C4BD6BE0}" dt="2023-11-30T16:12:38.247" v="56" actId="20577"/>
+          <ac:spMkLst>
+            <pc:docMk/>
+            <pc:sldMk cId="0" sldId="267"/>
+            <ac:spMk id="4" creationId="{00000000-0000-0000-0000-000000000000}"/>
+          </ac:spMkLst>
+        </pc:spChg>
+      </pc:sldChg>
+      <pc:sldChg chg="modSp">
+        <pc:chgData name="Tushar Raha" userId="S::vvit12207@vidyavihar.org::a32fdf83-2292-4f70-b7a9-eefdfae2a454" providerId="AD" clId="Web-{29C21402-E16D-2BC0-6D9B-4C89C4BD6BE0}" dt="2023-11-30T16:14:33.514" v="77" actId="20577"/>
+        <pc:sldMkLst>
+          <pc:docMk/>
+          <pc:sldMk cId="0" sldId="268"/>
+        </pc:sldMkLst>
+        <pc:spChg chg="mod">
+          <ac:chgData name="Tushar Raha" userId="S::vvit12207@vidyavihar.org::a32fdf83-2292-4f70-b7a9-eefdfae2a454" providerId="AD" clId="Web-{29C21402-E16D-2BC0-6D9B-4C89C4BD6BE0}" dt="2023-11-30T16:14:33.514" v="77" actId="20577"/>
+          <ac:spMkLst>
+            <pc:docMk/>
+            <pc:sldMk cId="0" sldId="268"/>
+            <ac:spMk id="4" creationId="{00000000-0000-0000-0000-000000000000}"/>
+          </ac:spMkLst>
+        </pc:spChg>
+      </pc:sldChg>
+      <pc:sldChg chg="modSp">
+        <pc:chgData name="Tushar Raha" userId="S::vvit12207@vidyavihar.org::a32fdf83-2292-4f70-b7a9-eefdfae2a454" providerId="AD" clId="Web-{29C21402-E16D-2BC0-6D9B-4C89C4BD6BE0}" dt="2023-11-30T16:15:15.781" v="79" actId="20577"/>
+        <pc:sldMkLst>
+          <pc:docMk/>
+          <pc:sldMk cId="0" sldId="269"/>
+        </pc:sldMkLst>
+        <pc:spChg chg="mod">
+          <ac:chgData name="Tushar Raha" userId="S::vvit12207@vidyavihar.org::a32fdf83-2292-4f70-b7a9-eefdfae2a454" providerId="AD" clId="Web-{29C21402-E16D-2BC0-6D9B-4C89C4BD6BE0}" dt="2023-11-30T16:15:15.781" v="79" actId="20577"/>
+          <ac:spMkLst>
+            <pc:docMk/>
+            <pc:sldMk cId="0" sldId="269"/>
+            <ac:spMk id="4" creationId="{00000000-0000-0000-0000-000000000000}"/>
+          </ac:spMkLst>
+        </pc:spChg>
+      </pc:sldChg>
+      <pc:sldChg chg="modSp">
+        <pc:chgData name="Tushar Raha" userId="S::vvit12207@vidyavihar.org::a32fdf83-2292-4f70-b7a9-eefdfae2a454" providerId="AD" clId="Web-{29C21402-E16D-2BC0-6D9B-4C89C4BD6BE0}" dt="2023-11-30T16:16:40.016" v="83" actId="20577"/>
+        <pc:sldMkLst>
+          <pc:docMk/>
+          <pc:sldMk cId="0" sldId="270"/>
+        </pc:sldMkLst>
+        <pc:spChg chg="mod">
+          <ac:chgData name="Tushar Raha" userId="S::vvit12207@vidyavihar.org::a32fdf83-2292-4f70-b7a9-eefdfae2a454" providerId="AD" clId="Web-{29C21402-E16D-2BC0-6D9B-4C89C4BD6BE0}" dt="2023-11-30T16:16:40.016" v="83" actId="20577"/>
+          <ac:spMkLst>
+            <pc:docMk/>
+            <pc:sldMk cId="0" sldId="270"/>
+            <ac:spMk id="4" creationId="{00000000-0000-0000-0000-000000000000}"/>
+          </ac:spMkLst>
+        </pc:spChg>
+      </pc:sldChg>
+      <pc:sldChg chg="modSp">
+        <pc:chgData name="Tushar Raha" userId="S::vvit12207@vidyavihar.org::a32fdf83-2292-4f70-b7a9-eefdfae2a454" providerId="AD" clId="Web-{29C21402-E16D-2BC0-6D9B-4C89C4BD6BE0}" dt="2023-11-30T16:17:30.002" v="88" actId="20577"/>
+        <pc:sldMkLst>
+          <pc:docMk/>
+          <pc:sldMk cId="0" sldId="272"/>
+        </pc:sldMkLst>
+        <pc:spChg chg="mod">
+          <ac:chgData name="Tushar Raha" userId="S::vvit12207@vidyavihar.org::a32fdf83-2292-4f70-b7a9-eefdfae2a454" providerId="AD" clId="Web-{29C21402-E16D-2BC0-6D9B-4C89C4BD6BE0}" dt="2023-11-30T16:17:30.002" v="88" actId="20577"/>
+          <ac:spMkLst>
+            <pc:docMk/>
+            <pc:sldMk cId="0" sldId="272"/>
+            <ac:spMk id="2" creationId="{00000000-0000-0000-0000-000000000000}"/>
+          </ac:spMkLst>
+        </pc:spChg>
+      </pc:sldChg>
+      <pc:sldChg chg="modSp">
+        <pc:chgData name="Tushar Raha" userId="S::vvit12207@vidyavihar.org::a32fdf83-2292-4f70-b7a9-eefdfae2a454" providerId="AD" clId="Web-{29C21402-E16D-2BC0-6D9B-4C89C4BD6BE0}" dt="2023-11-30T16:19:19.284" v="91" actId="20577"/>
+        <pc:sldMkLst>
+          <pc:docMk/>
+          <pc:sldMk cId="0" sldId="302"/>
+        </pc:sldMkLst>
+        <pc:spChg chg="mod">
+          <ac:chgData name="Tushar Raha" userId="S::vvit12207@vidyavihar.org::a32fdf83-2292-4f70-b7a9-eefdfae2a454" providerId="AD" clId="Web-{29C21402-E16D-2BC0-6D9B-4C89C4BD6BE0}" dt="2023-11-30T16:19:19.284" v="91" actId="20577"/>
+          <ac:spMkLst>
+            <pc:docMk/>
+            <pc:sldMk cId="0" sldId="302"/>
+            <ac:spMk id="4" creationId="{00000000-0000-0000-0000-000000000000}"/>
+          </ac:spMkLst>
+        </pc:spChg>
+      </pc:sldChg>
+    </pc:docChg>
+  </pc:docChgLst>
+</pc:chgInfo>
+</file>
+
 <file path=ppt/slideLayouts/slideLayout1.xml><?xml version="1.0" encoding="utf-8"?>
 <p:sldLayout xmlns:a="http://schemas.openxmlformats.org/drawingml/2006/main" xmlns:r="http://schemas.openxmlformats.org/officeDocument/2006/relationships" xmlns:p="http://schemas.openxmlformats.org/presentationml/2006/main" type="obj" preserve="1">
   <p:cSld name="Title Slide">
@@ -308,7 +511,7 @@
           <a:p>
             <a:fld id="{1D8BD707-D9CF-40AE-B4C6-C98DA3205C09}" type="datetimeFigureOut">
               <a:rPr lang="en-US"/>
-              <a:t>8/26/2021</a:t>
+              <a:t>11/30/2023</a:t>
             </a:fld>
             <a:endParaRPr lang="en-US"/>
           </a:p>
@@ -491,7 +694,7 @@
           <a:p>
             <a:fld id="{1D8BD707-D9CF-40AE-B4C6-C98DA3205C09}" type="datetimeFigureOut">
               <a:rPr lang="en-US"/>
-              <a:t>8/26/2021</a:t>
+              <a:t>11/30/2023</a:t>
             </a:fld>
             <a:endParaRPr lang="en-US"/>
           </a:p>
@@ -711,7 +914,7 @@
           <a:p>
             <a:fld id="{1D8BD707-D9CF-40AE-B4C6-C98DA3205C09}" type="datetimeFigureOut">
               <a:rPr lang="en-US"/>
-              <a:t>8/26/2021</a:t>
+              <a:t>11/30/2023</a:t>
             </a:fld>
             <a:endParaRPr lang="en-US"/>
           </a:p>
@@ -1015,7 +1218,7 @@
           <a:p>
             <a:fld id="{1D8BD707-D9CF-40AE-B4C6-C98DA3205C09}" type="datetimeFigureOut">
               <a:rPr lang="en-US"/>
-              <a:t>8/26/2021</a:t>
+              <a:t>11/30/2023</a:t>
             </a:fld>
             <a:endParaRPr lang="en-US"/>
           </a:p>
@@ -1290,7 +1493,7 @@
           <a:p>
             <a:fld id="{1D8BD707-D9CF-40AE-B4C6-C98DA3205C09}" type="datetimeFigureOut">
               <a:rPr lang="en-US"/>
-              <a:t>8/26/2021</a:t>
+              <a:t>11/30/2023</a:t>
             </a:fld>
             <a:endParaRPr lang="en-US"/>
           </a:p>
@@ -1621,7 +1824,7 @@
           <a:p>
             <a:fld id="{1D8BD707-D9CF-40AE-B4C6-C98DA3205C09}" type="datetimeFigureOut">
               <a:rPr lang="en-US"/>
-              <a:t>8/26/2021</a:t>
+              <a:t>11/30/2023</a:t>
             </a:fld>
             <a:endParaRPr lang="en-US"/>
           </a:p>
@@ -2100,15 +2303,12 @@
           </a:prstGeom>
         </p:spPr>
         <p:txBody>
-          <a:bodyPr vert="horz" wrap="square" lIns="0" tIns="108585" rIns="0" bIns="0" rtlCol="0">
+          <a:bodyPr vert="horz" wrap="square" lIns="0" tIns="108585" rIns="0" bIns="0" rtlCol="0" anchor="t">
             <a:spAutoFit/>
           </a:bodyPr>
           <a:lstStyle/>
           <a:p>
             <a:pPr marL="12700">
-              <a:lnSpc>
-                <a:spcPct val="100000"/>
-              </a:lnSpc>
               <a:spcBef>
                 <a:spcPts val="855"/>
               </a:spcBef>
@@ -2121,12 +2321,8 @@
                 <a:latin typeface="Arial"/>
                 <a:cs typeface="Arial"/>
               </a:rPr>
-              <a:t>Navas Sherif I</a:t>
-            </a:r>
-            <a:endParaRPr sz="2400" dirty="0">
-              <a:latin typeface="Arial"/>
-              <a:cs typeface="Arial"/>
-            </a:endParaRPr>
+              <a:t>Tushar Raha</a:t>
+            </a:r>
           </a:p>
           <a:p>
             <a:pPr marL="12700">
@@ -2142,19 +2338,13 @@
                 <a:solidFill>
                   <a:srgbClr val="616E52"/>
                 </a:solidFill>
-                <a:latin typeface="Arial"/>
-                <a:cs typeface="Arial"/>
+                <a:ea typeface="+mn-lt"/>
+                <a:cs typeface="+mn-lt"/>
                 <a:hlinkClick r:id="rId2"/>
               </a:rPr>
-              <a:t>https://github.com/navassherif98</a:t>
-            </a:r>
-            <a:endParaRPr lang="en-IN" sz="2400" spc="70" dirty="0">
-              <a:solidFill>
-                <a:srgbClr val="616E52"/>
-              </a:solidFill>
-              <a:latin typeface="Arial"/>
-              <a:cs typeface="Arial"/>
-            </a:endParaRPr>
+              <a:t>https://github.com/Tushar552</a:t>
+            </a:r>
+            <a:endParaRPr lang="en-IN"/>
           </a:p>
           <a:p>
             <a:pPr marL="12700">
@@ -2166,34 +2356,14 @@
               </a:spcBef>
             </a:pPr>
             <a:r>
-              <a:rPr sz="2400" spc="130" dirty="0">
+              <a:rPr lang="en-IN" sz="2400" spc="130" dirty="0">
                 <a:solidFill>
                   <a:srgbClr val="616E52"/>
                 </a:solidFill>
                 <a:latin typeface="Arial"/>
                 <a:cs typeface="Arial"/>
               </a:rPr>
-              <a:t>2</a:t>
-            </a:r>
-            <a:r>
-              <a:rPr lang="en-IN" sz="2400" spc="130" dirty="0">
-                <a:solidFill>
-                  <a:srgbClr val="616E52"/>
-                </a:solidFill>
-                <a:latin typeface="Arial"/>
-                <a:cs typeface="Arial"/>
-              </a:rPr>
-              <a:t>2</a:t>
-            </a:r>
-            <a:r>
-              <a:rPr sz="2400" spc="130" dirty="0">
-                <a:solidFill>
-                  <a:srgbClr val="616E52"/>
-                </a:solidFill>
-                <a:latin typeface="Arial"/>
-                <a:cs typeface="Arial"/>
-              </a:rPr>
-              <a:t>/08/2021</a:t>
+              <a:t>30/11/2023</a:t>
             </a:r>
             <a:endParaRPr sz="2400" dirty="0">
               <a:latin typeface="Arial"/>
@@ -2363,15 +2533,15 @@
         </p:nvSpPr>
         <p:spPr>
           <a:xfrm>
-            <a:off x="467361" y="2091819"/>
-            <a:ext cx="11734799" cy="4082656"/>
+            <a:off x="409852" y="1818649"/>
+            <a:ext cx="11734799" cy="4528869"/>
           </a:xfrm>
           <a:prstGeom prst="rect">
             <a:avLst/>
           </a:prstGeom>
         </p:spPr>
         <p:txBody>
-          <a:bodyPr vert="horz" wrap="square" lIns="0" tIns="162560" rIns="0" bIns="0" rtlCol="0">
+          <a:bodyPr vert="horz" wrap="square" lIns="0" tIns="162560" rIns="0" bIns="0" rtlCol="0" anchor="t">
             <a:spAutoFit/>
           </a:bodyPr>
           <a:lstStyle/>
@@ -3156,7 +3326,7 @@
               </a:lnSpc>
             </a:pPr>
             <a:r>
-              <a:rPr sz="2000" u="heavy" spc="-5" dirty="0">
+              <a:rPr sz="2000" u="heavy" spc="-5">
                 <a:solidFill>
                   <a:srgbClr val="404040"/>
                 </a:solidFill>
@@ -3168,37 +3338,76 @@
                 <a:latin typeface="Carlito"/>
                 <a:cs typeface="Carlito"/>
               </a:rPr>
-              <a:t>GitHub url: </a:t>
-            </a:r>
-            <a:r>
-              <a:rPr sz="2000" spc="-5" dirty="0">
-                <a:solidFill>
-                  <a:srgbClr val="404040"/>
-                </a:solidFill>
-                <a:latin typeface="Carlito"/>
-                <a:cs typeface="Carlito"/>
-              </a:rPr>
-              <a:t> </a:t>
-            </a:r>
-            <a:r>
-              <a:rPr lang="en-IN" sz="2000" u="heavy" spc="-5" dirty="0">
-                <a:solidFill>
-                  <a:srgbClr val="2996E1"/>
+              <a:t>GitHub </a:t>
+            </a:r>
+            <a:r>
+              <a:rPr sz="2000" u="heavy" spc="-5" err="1">
+                <a:solidFill>
+                  <a:srgbClr val="404040"/>
                 </a:solidFill>
                 <a:uFill>
                   <a:solidFill>
-                    <a:srgbClr val="2996E1"/>
+                    <a:srgbClr val="404040"/>
                   </a:solidFill>
                 </a:uFill>
                 <a:latin typeface="Carlito"/>
                 <a:cs typeface="Carlito"/>
+              </a:rPr>
+              <a:t>url</a:t>
+            </a:r>
+            <a:r>
+              <a:rPr sz="2000" u="heavy" spc="-5">
+                <a:solidFill>
+                  <a:srgbClr val="404040"/>
+                </a:solidFill>
+                <a:uFill>
+                  <a:solidFill>
+                    <a:srgbClr val="404040"/>
+                  </a:solidFill>
+                </a:uFill>
+                <a:latin typeface="Carlito"/>
+                <a:cs typeface="Carlito"/>
+              </a:rPr>
+              <a:t>:</a:t>
+            </a:r>
+            <a:r>
+              <a:rPr lang="en-GB" sz="2000" u="heavy" spc="-5" dirty="0">
+                <a:solidFill>
+                  <a:srgbClr val="404040"/>
+                </a:solidFill>
+                <a:uFill>
+                  <a:solidFill>
+                    <a:srgbClr val="404040"/>
+                  </a:solidFill>
+                </a:uFill>
+                <a:latin typeface="Carlito"/>
+                <a:cs typeface="Carlito"/>
+              </a:rPr>
+              <a:t> </a:t>
+            </a:r>
+            <a:r>
+              <a:rPr sz="2000" spc="-5" dirty="0">
+                <a:solidFill>
+                  <a:srgbClr val="404040"/>
+                </a:solidFill>
+                <a:latin typeface="Carlito"/>
+                <a:cs typeface="Carlito"/>
+              </a:rPr>
+              <a:t> </a:t>
+            </a:r>
+            <a:r>
+              <a:rPr lang="en-US" sz="2000" spc="-5" dirty="0">
+                <a:solidFill>
+                  <a:srgbClr val="0070C0"/>
+                </a:solidFill>
                 <a:hlinkClick r:id="rId2"/>
               </a:rPr>
-              <a:t>https://github.com/navassherif98/IBM_Data_Science_Professional_Certification/blob/master/10.Applied_Data_Science_Capstone/Week%201%20Introduction/Data%20wrangling%20.ipynb</a:t>
-            </a:r>
-            <a:endParaRPr sz="2000" dirty="0">
-              <a:latin typeface="Carlito"/>
-              <a:cs typeface="Carlito"/>
+              <a:t>https://github.com/Tushar552/IBM_Data_Science_Professional_Certification/blob/main/10%20Applied%20data%20science%20capstone/Week%201%20Introduction/Data%20wrangling%20.ipynb</a:t>
+            </a:r>
+            <a:endParaRPr lang="en-US" sz="2000" dirty="0">
+              <a:solidFill>
+                <a:srgbClr val="0070C0"/>
+              </a:solidFill>
             </a:endParaRPr>
           </a:p>
         </p:txBody>
@@ -3283,29 +3492,26 @@
         <p:spPr>
           <a:xfrm>
             <a:off x="916635" y="543559"/>
-            <a:ext cx="6534150" cy="756920"/>
+            <a:ext cx="7756225" cy="751488"/>
           </a:xfrm>
           <a:prstGeom prst="rect">
             <a:avLst/>
           </a:prstGeom>
         </p:spPr>
         <p:txBody>
-          <a:bodyPr vert="horz" wrap="square" lIns="0" tIns="12700" rIns="0" bIns="0" rtlCol="0">
+          <a:bodyPr vert="horz" wrap="square" lIns="0" tIns="12700" rIns="0" bIns="0" rtlCol="0" anchor="t">
             <a:spAutoFit/>
           </a:bodyPr>
           <a:lstStyle/>
           <a:p>
             <a:pPr marL="12700">
-              <a:lnSpc>
-                <a:spcPct val="100000"/>
-              </a:lnSpc>
               <a:spcBef>
                 <a:spcPts val="100"/>
               </a:spcBef>
             </a:pPr>
             <a:r>
-              <a:rPr spc="-670" dirty="0"/>
-              <a:t>EDA </a:t>
+              <a:rPr lang="en-GB" spc="-670" dirty="0"/>
+              <a:t>E D A  </a:t>
             </a:r>
             <a:r>
               <a:rPr spc="-45" dirty="0"/>
@@ -3369,14 +3575,14 @@
         <p:spPr>
           <a:xfrm>
             <a:off x="1176019" y="1824608"/>
-            <a:ext cx="9963150" cy="3583940"/>
+            <a:ext cx="9963150" cy="3915816"/>
           </a:xfrm>
           <a:prstGeom prst="rect">
             <a:avLst/>
           </a:prstGeom>
         </p:spPr>
         <p:txBody>
-          <a:bodyPr vert="horz" wrap="square" lIns="0" tIns="42545" rIns="0" bIns="0" rtlCol="0">
+          <a:bodyPr vert="horz" wrap="square" lIns="0" tIns="42545" rIns="0" bIns="0" rtlCol="0" anchor="t">
             <a:spAutoFit/>
           </a:bodyPr>
           <a:lstStyle/>
@@ -4164,15 +4370,12 @@
           </a:p>
           <a:p>
             <a:pPr marL="12700" marR="5080">
-              <a:lnSpc>
-                <a:spcPct val="100000"/>
-              </a:lnSpc>
               <a:spcBef>
                 <a:spcPts val="1105"/>
               </a:spcBef>
             </a:pPr>
             <a:r>
-              <a:rPr sz="2000" u="heavy" dirty="0">
+              <a:rPr sz="2000" u="heavy">
                 <a:solidFill>
                   <a:srgbClr val="404040"/>
                 </a:solidFill>
@@ -4187,7 +4390,7 @@
               <a:t>GitHub </a:t>
             </a:r>
             <a:r>
-              <a:rPr sz="2000" u="heavy" spc="-5" dirty="0">
+              <a:rPr sz="2000" u="heavy" spc="-5" err="1">
                 <a:solidFill>
                   <a:srgbClr val="404040"/>
                 </a:solidFill>
@@ -4199,22 +4402,12 @@
                 <a:latin typeface="Carlito"/>
                 <a:cs typeface="Carlito"/>
               </a:rPr>
-              <a:t>url: </a:t>
-            </a:r>
-            <a:r>
-              <a:rPr sz="2000" spc="-5" dirty="0">
-                <a:solidFill>
-                  <a:srgbClr val="404040"/>
-                </a:solidFill>
-                <a:latin typeface="Carlito"/>
-                <a:cs typeface="Carlito"/>
-              </a:rPr>
-              <a:t> </a:t>
-            </a:r>
-            <a:r>
-              <a:rPr lang="en-IN" sz="2000" u="heavy" spc="-10" dirty="0">
-                <a:solidFill>
-                  <a:srgbClr val="2996E1"/>
+              <a:t>url</a:t>
+            </a:r>
+            <a:r>
+              <a:rPr sz="2000" u="heavy" spc="-5">
+                <a:solidFill>
+                  <a:srgbClr val="404040"/>
                 </a:solidFill>
                 <a:uFill>
                   <a:solidFill>
@@ -4223,14 +4416,45 @@
                 </a:uFill>
                 <a:latin typeface="Carlito"/>
                 <a:cs typeface="Carlito"/>
+              </a:rPr>
+              <a:t>:</a:t>
+            </a:r>
+            <a:r>
+              <a:rPr lang="en-GB" sz="2000" u="heavy" spc="-5" dirty="0">
+                <a:solidFill>
+                  <a:srgbClr val="404040"/>
+                </a:solidFill>
+                <a:uFill>
+                  <a:solidFill>
+                    <a:srgbClr val="404040"/>
+                  </a:solidFill>
+                </a:uFill>
+                <a:latin typeface="Carlito"/>
+                <a:cs typeface="Carlito"/>
+              </a:rPr>
+              <a:t> </a:t>
+            </a:r>
+            <a:r>
+              <a:rPr sz="2000" spc="-5" dirty="0">
+                <a:solidFill>
+                  <a:srgbClr val="404040"/>
+                </a:solidFill>
+                <a:latin typeface="Carlito"/>
+                <a:cs typeface="Carlito"/>
+              </a:rPr>
+              <a:t> </a:t>
+            </a:r>
+            <a:r>
+              <a:rPr lang="en-US" sz="2000" spc="-5" dirty="0">
+                <a:solidFill>
+                  <a:srgbClr val="0070C0"/>
+                </a:solidFill>
+                <a:ea typeface="+mn-lt"/>
+                <a:cs typeface="+mn-lt"/>
                 <a:hlinkClick r:id="rId2"/>
               </a:rPr>
-              <a:t>https://github.com/navassherif98/IBM_Data_Science_Professional_Certification/blob/master/10.Applied_Data_Science_Capstone/Week%202%20EDA/EDA%20with%20Visualization.ipynb</a:t>
-            </a:r>
-            <a:endParaRPr sz="2000" dirty="0">
-              <a:latin typeface="Carlito"/>
-              <a:cs typeface="Carlito"/>
-            </a:endParaRPr>
+              <a:t>https://github.com/Tushar552/IBM_Data_Science_Professional_Certification/blob/main/10%20Applied%20data%20science%20capstone/Week%202%20EDA/EDA%20with%20Visualization.ipynb</a:t>
+            </a:r>
           </a:p>
         </p:txBody>
       </p:sp>
@@ -4314,29 +4538,26 @@
         <p:spPr>
           <a:xfrm>
             <a:off x="916635" y="543559"/>
-            <a:ext cx="3245485" cy="756920"/>
+            <a:ext cx="4079370" cy="751488"/>
           </a:xfrm>
           <a:prstGeom prst="rect">
             <a:avLst/>
           </a:prstGeom>
         </p:spPr>
         <p:txBody>
-          <a:bodyPr vert="horz" wrap="square" lIns="0" tIns="12700" rIns="0" bIns="0" rtlCol="0">
+          <a:bodyPr vert="horz" wrap="square" lIns="0" tIns="12700" rIns="0" bIns="0" rtlCol="0" anchor="t">
             <a:spAutoFit/>
           </a:bodyPr>
           <a:lstStyle/>
           <a:p>
             <a:pPr marL="12700">
-              <a:lnSpc>
-                <a:spcPct val="100000"/>
-              </a:lnSpc>
               <a:spcBef>
                 <a:spcPts val="100"/>
               </a:spcBef>
             </a:pPr>
             <a:r>
-              <a:rPr spc="-670" dirty="0"/>
-              <a:t>EDA </a:t>
+              <a:rPr lang="en-GB" spc="-670" dirty="0"/>
+              <a:t>E D A  </a:t>
             </a:r>
             <a:r>
               <a:rPr spc="-45" dirty="0"/>
@@ -4347,9 +4568,10 @@
               <a:t> </a:t>
             </a:r>
             <a:r>
-              <a:rPr spc="-770" dirty="0"/>
-              <a:t>SQL</a:t>
-            </a:r>
+              <a:rPr lang="en-GB" spc="-770" dirty="0"/>
+              <a:t>S Q L</a:t>
+            </a:r>
+            <a:endParaRPr spc="-770" dirty="0"/>
           </a:p>
         </p:txBody>
       </p:sp>
@@ -4396,14 +4618,14 @@
         <p:spPr>
           <a:xfrm>
             <a:off x="1176019" y="1622485"/>
-            <a:ext cx="9687560" cy="3925570"/>
+            <a:ext cx="9687560" cy="4354782"/>
           </a:xfrm>
           <a:prstGeom prst="rect">
             <a:avLst/>
           </a:prstGeom>
         </p:spPr>
         <p:txBody>
-          <a:bodyPr vert="horz" wrap="square" lIns="0" tIns="162560" rIns="0" bIns="0" rtlCol="0">
+          <a:bodyPr vert="horz" wrap="square" lIns="0" tIns="162560" rIns="0" bIns="0" rtlCol="0" anchor="t">
             <a:spAutoFit/>
           </a:bodyPr>
           <a:lstStyle/>
@@ -4874,7 +5096,7 @@
               </a:lnSpc>
             </a:pPr>
             <a:r>
-              <a:rPr sz="2000" u="heavy" dirty="0">
+              <a:rPr sz="2000" u="heavy">
                 <a:solidFill>
                   <a:srgbClr val="404040"/>
                 </a:solidFill>
@@ -4889,7 +5111,7 @@
               <a:t>GitHub </a:t>
             </a:r>
             <a:r>
-              <a:rPr sz="2000" u="heavy" spc="-5" dirty="0">
+              <a:rPr sz="2000" u="heavy" spc="-5" err="1">
                 <a:solidFill>
                   <a:srgbClr val="404040"/>
                 </a:solidFill>
@@ -4901,37 +5123,65 @@
                 <a:latin typeface="Carlito"/>
                 <a:cs typeface="Carlito"/>
               </a:rPr>
-              <a:t>url: </a:t>
-            </a:r>
-            <a:r>
-              <a:rPr sz="2000" spc="-5" dirty="0">
-                <a:solidFill>
-                  <a:srgbClr val="404040"/>
-                </a:solidFill>
-                <a:latin typeface="Carlito"/>
-                <a:cs typeface="Carlito"/>
-              </a:rPr>
-              <a:t> </a:t>
-            </a:r>
-            <a:r>
-              <a:rPr lang="en-IN" sz="2000" u="heavy" spc="-5" dirty="0">
-                <a:solidFill>
-                  <a:srgbClr val="2996E1"/>
+              <a:t>url</a:t>
+            </a:r>
+            <a:r>
+              <a:rPr sz="2000" u="heavy" spc="-5">
+                <a:solidFill>
+                  <a:srgbClr val="404040"/>
                 </a:solidFill>
                 <a:uFill>
                   <a:solidFill>
-                    <a:srgbClr val="2996E1"/>
+                    <a:srgbClr val="404040"/>
                   </a:solidFill>
                 </a:uFill>
                 <a:latin typeface="Carlito"/>
                 <a:cs typeface="Carlito"/>
+              </a:rPr>
+              <a:t>:</a:t>
+            </a:r>
+            <a:r>
+              <a:rPr lang="en-GB" sz="2000" u="heavy" spc="-5" dirty="0">
+                <a:solidFill>
+                  <a:srgbClr val="404040"/>
+                </a:solidFill>
+                <a:uFill>
+                  <a:solidFill>
+                    <a:srgbClr val="404040"/>
+                  </a:solidFill>
+                </a:uFill>
+                <a:latin typeface="Carlito"/>
+                <a:cs typeface="Carlito"/>
+              </a:rPr>
+              <a:t> </a:t>
+            </a:r>
+            <a:r>
+              <a:rPr sz="2000" spc="-5" dirty="0">
+                <a:solidFill>
+                  <a:srgbClr val="404040"/>
+                </a:solidFill>
+                <a:latin typeface="Carlito"/>
+                <a:cs typeface="Carlito"/>
+              </a:rPr>
+              <a:t> </a:t>
+            </a:r>
+            <a:r>
+              <a:rPr lang="en-US" sz="2000" spc="-5" dirty="0">
+                <a:solidFill>
+                  <a:srgbClr val="0070C0"/>
+                </a:solidFill>
+                <a:ea typeface="+mn-lt"/>
+                <a:cs typeface="+mn-lt"/>
                 <a:hlinkClick r:id="rId2"/>
               </a:rPr>
-              <a:t>https://github.com/navassherif98/IBM_Data_Science_Professional_Certification/blob/master/10.Applied_Data_Science_Capstone/Week%202%20EDA/EDA%20with%20SQL.ipynb</a:t>
-            </a:r>
-            <a:endParaRPr sz="2000" dirty="0">
-              <a:latin typeface="Carlito"/>
-              <a:cs typeface="Carlito"/>
+              <a:t>https://github.com/Tushar552/IBM_Data_Science_Professional_Certification/blob/main/10%20Applied%20data%20science%20capstone/Week%202%20EDA/EDA%20with%20SQL.ipynb</a:t>
+            </a:r>
+            <a:endParaRPr lang="en-US" sz="2000" dirty="0">
+              <a:solidFill>
+                <a:srgbClr val="0070C0"/>
+              </a:solidFill>
+              <a:ea typeface="+mn-lt"/>
+              <a:cs typeface="+mn-lt"/>
             </a:endParaRPr>
           </a:p>
         </p:txBody>
@@ -5117,7 +5367,7 @@
           </a:prstGeom>
         </p:spPr>
         <p:txBody>
-          <a:bodyPr vert="horz" wrap="square" lIns="0" tIns="42545" rIns="0" bIns="0" rtlCol="0">
+          <a:bodyPr vert="horz" wrap="square" lIns="0" tIns="42545" rIns="0" bIns="0" rtlCol="0" anchor="t">
             <a:spAutoFit/>
           </a:bodyPr>
           <a:lstStyle/>
@@ -5548,7 +5798,7 @@
               </a:spcBef>
             </a:pPr>
             <a:r>
-              <a:rPr lang="en-IN" sz="2000" u="heavy" spc="-10" dirty="0">
+              <a:rPr lang="en-IN" sz="2000" spc="-10" dirty="0">
                 <a:solidFill>
                   <a:srgbClr val="2996E1"/>
                 </a:solidFill>
@@ -5557,15 +5807,15 @@
                     <a:srgbClr val="404040"/>
                   </a:solidFill>
                 </a:uFill>
-                <a:latin typeface="Carlito"/>
-                <a:cs typeface="Carlito"/>
+                <a:ea typeface="+mn-lt"/>
+                <a:cs typeface="+mn-lt"/>
                 <a:hlinkClick r:id="rId2"/>
               </a:rPr>
-              <a:t>https://github.com/navassherif98/IBM_Data_Science_Professional_Certification/blob/master/10.Applied_Data_Science_Capstone/Week%203%20Interactive%20Visual%20Analytics%20and%20Dashboard/Interactive%20Visual%20Analytics%20with%20Folium.ipynb</a:t>
-            </a:r>
-            <a:endParaRPr sz="2000" dirty="0">
-              <a:latin typeface="Carlito"/>
-              <a:cs typeface="Carlito"/>
+              <a:t>https://github.com/Tushar552/IBM_Data_Science_Professional_Certification/blob/main/10%20Applied%20data%20science%20capstone/Week%203%20Interactive%20Visual%20Analytics%20and%20Dashboard/Interactive%20Visual%20Analytics%20with%20Folium.ipynb</a:t>
+            </a:r>
+            <a:endParaRPr>
+              <a:ea typeface="+mn-lt"/>
+              <a:cs typeface="+mn-lt"/>
             </a:endParaRPr>
           </a:p>
         </p:txBody>
@@ -5751,7 +6001,7 @@
           </a:prstGeom>
         </p:spPr>
         <p:txBody>
-          <a:bodyPr vert="horz" wrap="square" lIns="0" tIns="152400" rIns="0" bIns="0" rtlCol="0">
+          <a:bodyPr vert="horz" wrap="square" lIns="0" tIns="152400" rIns="0" bIns="0" rtlCol="0" anchor="t">
             <a:spAutoFit/>
           </a:bodyPr>
           <a:lstStyle/>
@@ -6605,7 +6855,7 @@
               </a:spcBef>
             </a:pPr>
             <a:r>
-              <a:rPr lang="en-IN" sz="2000" u="heavy" spc="-10" dirty="0">
+              <a:rPr lang="en-IN" sz="2000" spc="-10" dirty="0">
                 <a:solidFill>
                   <a:srgbClr val="2996E1"/>
                 </a:solidFill>
@@ -6614,15 +6864,15 @@
                     <a:srgbClr val="2996E1"/>
                   </a:solidFill>
                 </a:uFill>
-                <a:latin typeface="Carlito"/>
-                <a:cs typeface="Carlito"/>
+                <a:ea typeface="+mn-lt"/>
+                <a:cs typeface="+mn-lt"/>
                 <a:hlinkClick r:id="rId2"/>
               </a:rPr>
-              <a:t>https://github.com/navassherif98/IBM_Data_Science_Professional_Certification/blob/master/10.Applied_Data_Science_Capstone/Week%203%20Interactive%20Visual%20Analytics%20and%20Dashboard/spacex_dash_app.py</a:t>
-            </a:r>
-            <a:endParaRPr sz="2000" dirty="0">
-              <a:latin typeface="Carlito"/>
-              <a:cs typeface="Carlito"/>
+              <a:t>https://github.com/Tushar552/IBM_Data_Science_Professional_Certification/blob/main/10%20Applied%20data%20science%20capstone/Week%203%20Interactive%20Visual%20Analytics%20and%20Dashboard/spacex_dash_app.py</a:t>
+            </a:r>
+            <a:endParaRPr>
+              <a:ea typeface="+mn-lt"/>
+              <a:cs typeface="+mn-lt"/>
             </a:endParaRPr>
           </a:p>
         </p:txBody>
@@ -6755,14 +7005,14 @@
         <p:spPr>
           <a:xfrm>
             <a:off x="533401" y="2472309"/>
-            <a:ext cx="3061208" cy="2796278"/>
+            <a:ext cx="3061208" cy="3104055"/>
           </a:xfrm>
           <a:prstGeom prst="rect">
             <a:avLst/>
           </a:prstGeom>
         </p:spPr>
         <p:txBody>
-          <a:bodyPr vert="horz" wrap="square" lIns="0" tIns="13335" rIns="0" bIns="0" rtlCol="0">
+          <a:bodyPr vert="horz" wrap="square" lIns="0" tIns="13335" rIns="0" bIns="0" rtlCol="0" anchor="t">
             <a:spAutoFit/>
           </a:bodyPr>
           <a:lstStyle/>
@@ -6844,15 +7094,21 @@
             </a:pPr>
             <a:r>
               <a:rPr lang="en-IN" sz="2000" dirty="0">
-                <a:latin typeface="Carlito"/>
-                <a:cs typeface="Carlito"/>
+                <a:solidFill>
+                  <a:srgbClr val="0070C0"/>
+                </a:solidFill>
+                <a:ea typeface="+mn-lt"/>
+                <a:cs typeface="+mn-lt"/>
                 <a:hlinkClick r:id="rId2"/>
               </a:rPr>
-              <a:t>https://github.com/navassherif98/IBM_Data_Science_Professional_Certification/blob/master/10.Applied_Data_Science_Capstone/Week%204%20Predictive%20Analysis%20(Classification)/Machine%20Learning%20Prediction.ipynb</a:t>
-            </a:r>
-            <a:endParaRPr sz="2000" dirty="0">
-              <a:latin typeface="Carlito"/>
-              <a:cs typeface="Carlito"/>
+              <a:t>https://github.com/Tushar552/IBM_Data_Science_Professional_Certification/blob/main/10%20Applied%20data%20science%20capstone/Week%204%20Predictive%20Analysis%20(Classification)/Machine%20Learning%20Prediction.ipynb</a:t>
+            </a:r>
+            <a:endParaRPr dirty="0">
+              <a:solidFill>
+                <a:srgbClr val="0070C0"/>
+              </a:solidFill>
+              <a:ea typeface="+mn-lt"/>
+              <a:cs typeface="+mn-lt"/>
             </a:endParaRPr>
           </a:p>
         </p:txBody>
@@ -10750,15 +11006,12 @@
           </a:prstGeom>
         </p:spPr>
         <p:txBody>
-          <a:bodyPr vert="horz" wrap="square" lIns="0" tIns="13335" rIns="0" bIns="0" rtlCol="0">
+          <a:bodyPr vert="horz" wrap="square" lIns="0" tIns="13335" rIns="0" bIns="0" rtlCol="0" anchor="t">
             <a:spAutoFit/>
           </a:bodyPr>
           <a:lstStyle/>
           <a:p>
             <a:pPr marL="12700">
-              <a:lnSpc>
-                <a:spcPct val="100000"/>
-              </a:lnSpc>
               <a:spcBef>
                 <a:spcPts val="105"/>
               </a:spcBef>
@@ -10768,7 +11021,7 @@
                 <a:solidFill>
                   <a:srgbClr val="242424"/>
                 </a:solidFill>
-                <a:latin typeface="Bahnschrift Condensed" panose="020B0502040204020203" pitchFamily="34" charset="0"/>
+                <a:latin typeface="Bahnschrift Condensed"/>
                 <a:cs typeface="Arial"/>
               </a:rPr>
               <a:t>E</a:t>
@@ -10778,17 +11031,17 @@
                 <a:solidFill>
                   <a:srgbClr val="242424"/>
                 </a:solidFill>
-                <a:latin typeface="Bahnschrift Condensed" panose="020B0502040204020203" pitchFamily="34" charset="0"/>
+                <a:latin typeface="Bahnschrift Condensed"/>
                 <a:cs typeface="Arial"/>
               </a:rPr>
-              <a:t>   </a:t>
+              <a:t>    </a:t>
             </a:r>
             <a:r>
               <a:rPr sz="7200" spc="-1125" dirty="0">
                 <a:solidFill>
                   <a:srgbClr val="242424"/>
                 </a:solidFill>
-                <a:latin typeface="Bahnschrift Condensed" panose="020B0502040204020203" pitchFamily="34" charset="0"/>
+                <a:latin typeface="Bahnschrift Condensed"/>
                 <a:cs typeface="Arial"/>
               </a:rPr>
               <a:t>D</a:t>
@@ -10798,47 +11051,67 @@
                 <a:solidFill>
                   <a:srgbClr val="242424"/>
                 </a:solidFill>
-                <a:latin typeface="Bahnschrift Condensed" panose="020B0502040204020203" pitchFamily="34" charset="0"/>
+                <a:latin typeface="Bahnschrift Condensed"/>
                 <a:cs typeface="Arial"/>
               </a:rPr>
-              <a:t>  </a:t>
+              <a:t>   </a:t>
             </a:r>
             <a:r>
               <a:rPr sz="7200" spc="-1125" dirty="0">
                 <a:solidFill>
                   <a:srgbClr val="242424"/>
                 </a:solidFill>
-                <a:latin typeface="Bahnschrift Condensed" panose="020B0502040204020203" pitchFamily="34" charset="0"/>
+                <a:latin typeface="Bahnschrift Condensed"/>
                 <a:cs typeface="Arial"/>
               </a:rPr>
-              <a:t>A </a:t>
+              <a:t>A</a:t>
+            </a:r>
+            <a:r>
+              <a:rPr lang="en-GB" sz="7200" spc="-1125" dirty="0">
+                <a:solidFill>
+                  <a:srgbClr val="242424"/>
+                </a:solidFill>
+                <a:latin typeface="Bahnschrift Condensed"/>
+                <a:cs typeface="Arial"/>
+              </a:rPr>
+              <a:t> </a:t>
             </a:r>
             <a:r>
               <a:rPr lang="en-IN" sz="7200" spc="-1125" dirty="0">
                 <a:solidFill>
                   <a:srgbClr val="242424"/>
                 </a:solidFill>
-                <a:latin typeface="Bahnschrift Condensed" panose="020B0502040204020203" pitchFamily="34" charset="0"/>
+                <a:latin typeface="Bahnschrift Condensed"/>
                 <a:cs typeface="Arial"/>
               </a:rPr>
-              <a:t>   </a:t>
+              <a:t>    </a:t>
             </a:r>
             <a:r>
               <a:rPr sz="7200" spc="-50" dirty="0">
                 <a:solidFill>
                   <a:srgbClr val="242424"/>
                 </a:solidFill>
-                <a:latin typeface="Bahnschrift Condensed" panose="020B0502040204020203" pitchFamily="34" charset="0"/>
+                <a:latin typeface="Bahnschrift Condensed"/>
                 <a:cs typeface="Arial"/>
               </a:rPr>
               <a:t>with</a:t>
             </a:r>
             <a:r>
+              <a:rPr lang="en-GB" sz="7200" spc="-50" dirty="0">
+                <a:solidFill>
+                  <a:srgbClr val="242424"/>
+                </a:solidFill>
+                <a:latin typeface="Bahnschrift Condensed"/>
+                <a:cs typeface="Arial"/>
+              </a:rPr>
+              <a:t> </a:t>
+            </a:r>
+            <a:r>
               <a:rPr sz="7200" spc="-1270" dirty="0">
                 <a:solidFill>
                   <a:srgbClr val="242424"/>
                 </a:solidFill>
-                <a:latin typeface="Bahnschrift Condensed" panose="020B0502040204020203" pitchFamily="34" charset="0"/>
+                <a:latin typeface="Bahnschrift Condensed"/>
                 <a:cs typeface="Arial"/>
               </a:rPr>
               <a:t> </a:t>
@@ -10848,13 +11121,13 @@
                 <a:solidFill>
                   <a:srgbClr val="242424"/>
                 </a:solidFill>
-                <a:latin typeface="Bahnschrift Condensed" panose="020B0502040204020203" pitchFamily="34" charset="0"/>
+                <a:latin typeface="Bahnschrift Condensed"/>
                 <a:cs typeface="Arial"/>
               </a:rPr>
               <a:t>Visualization</a:t>
             </a:r>
             <a:endParaRPr sz="7200" dirty="0">
-              <a:latin typeface="Bahnschrift Condensed" panose="020B0502040204020203" pitchFamily="34" charset="0"/>
+              <a:latin typeface="Bahnschrift Condensed"/>
               <a:cs typeface="Arial"/>
             </a:endParaRPr>
           </a:p>
@@ -31455,7 +31728,7 @@
           </a:prstGeom>
         </p:spPr>
         <p:txBody>
-          <a:bodyPr vert="horz" wrap="square" lIns="0" tIns="164465" rIns="0" bIns="0" rtlCol="0">
+          <a:bodyPr vert="horz" wrap="square" lIns="0" tIns="164465" rIns="0" bIns="0" rtlCol="0" anchor="t">
             <a:spAutoFit/>
           </a:bodyPr>
           <a:lstStyle/>
@@ -31543,7 +31816,7 @@
               </a:spcBef>
             </a:pPr>
             <a:r>
-              <a:rPr lang="en-IN" sz="2000" u="heavy" spc="-10" dirty="0">
+              <a:rPr lang="en-IN" sz="2000" spc="-10" dirty="0">
                 <a:solidFill>
                   <a:srgbClr val="800080"/>
                 </a:solidFill>
@@ -31552,15 +31825,15 @@
                     <a:srgbClr val="800080"/>
                   </a:solidFill>
                 </a:uFill>
-                <a:latin typeface="Carlito"/>
-                <a:cs typeface="Carlito"/>
+                <a:ea typeface="+mn-lt"/>
+                <a:cs typeface="+mn-lt"/>
                 <a:hlinkClick r:id="rId2"/>
               </a:rPr>
-              <a:t>https://github.com/navassherif98/IBM_Data_Science_Professional_Certification</a:t>
-            </a:r>
-            <a:endParaRPr sz="2000" dirty="0">
-              <a:latin typeface="Carlito"/>
-              <a:cs typeface="Carlito"/>
+              <a:t>https://github.com/Tushar552/IBM_Data_Science_Professional_Certification</a:t>
+            </a:r>
+            <a:endParaRPr>
+              <a:ea typeface="+mn-lt"/>
+              <a:cs typeface="+mn-lt"/>
             </a:endParaRPr>
           </a:p>
           <a:p>
@@ -31646,7 +31919,7 @@
                 <a:effectLst/>
                 <a:latin typeface="-apple-system"/>
               </a:rPr>
-              <a:t>Instructors: </a:t>
+              <a:t>Instructors: Rav Ahuja, Alex </a:t>
             </a:r>
             <a:r>
               <a:rPr lang="en-IN" sz="2000" b="1" i="0" dirty="0" err="1">
@@ -31656,7 +31929,7 @@
                 <a:effectLst/>
                 <a:latin typeface="-apple-system"/>
               </a:rPr>
-              <a:t>Rav</a:t>
+              <a:t>Aklson</a:t>
             </a:r>
             <a:r>
               <a:rPr lang="en-IN" sz="2000" b="1" i="0" dirty="0">
@@ -31666,7 +31939,7 @@
                 <a:effectLst/>
                 <a:latin typeface="-apple-system"/>
               </a:rPr>
-              <a:t> Ahuja, Alex </a:t>
+              <a:t>, </a:t>
             </a:r>
             <a:r>
               <a:rPr lang="en-IN" sz="2000" b="1" i="0" dirty="0" err="1">
@@ -31676,7 +31949,7 @@
                 <a:effectLst/>
                 <a:latin typeface="-apple-system"/>
               </a:rPr>
-              <a:t>Aklson</a:t>
+              <a:t>Aije</a:t>
             </a:r>
             <a:r>
               <a:rPr lang="en-IN" sz="2000" b="1" i="0" dirty="0">
@@ -31686,7 +31959,7 @@
                 <a:effectLst/>
                 <a:latin typeface="-apple-system"/>
               </a:rPr>
-              <a:t>, </a:t>
+              <a:t> </a:t>
             </a:r>
             <a:r>
               <a:rPr lang="en-IN" sz="2000" b="1" i="0" dirty="0" err="1">
@@ -31696,7 +31969,7 @@
                 <a:effectLst/>
                 <a:latin typeface="-apple-system"/>
               </a:rPr>
-              <a:t>Aije</a:t>
+              <a:t>Egwaikhide</a:t>
             </a:r>
             <a:r>
               <a:rPr lang="en-IN" sz="2000" b="1" i="0" dirty="0">
@@ -31706,7 +31979,7 @@
                 <a:effectLst/>
                 <a:latin typeface="-apple-system"/>
               </a:rPr>
-              <a:t> </a:t>
+              <a:t>, Svetlana Levitan, Romeo Kienzler, </a:t>
             </a:r>
             <a:r>
               <a:rPr lang="en-IN" sz="2000" b="1" i="0" dirty="0" err="1">
@@ -31716,7 +31989,7 @@
                 <a:effectLst/>
                 <a:latin typeface="-apple-system"/>
               </a:rPr>
-              <a:t>Egwaikhide</a:t>
+              <a:t>Polong</a:t>
             </a:r>
             <a:r>
               <a:rPr lang="en-IN" sz="2000" b="1" i="0" dirty="0">
@@ -31726,7 +31999,7 @@
                 <a:effectLst/>
                 <a:latin typeface="-apple-system"/>
               </a:rPr>
-              <a:t>, Svetlana Levitan, Romeo </a:t>
+              <a:t> Lin, Joseph Santarcangelo, Azim </a:t>
             </a:r>
             <a:r>
               <a:rPr lang="en-IN" sz="2000" b="1" i="0" dirty="0" err="1">
@@ -31736,7 +32009,7 @@
                 <a:effectLst/>
                 <a:latin typeface="-apple-system"/>
               </a:rPr>
-              <a:t>Kienzler</a:t>
+              <a:t>Hirjani</a:t>
             </a:r>
             <a:r>
               <a:rPr lang="en-IN" sz="2000" b="1" i="0" dirty="0">
@@ -31746,107 +32019,7 @@
                 <a:effectLst/>
                 <a:latin typeface="-apple-system"/>
               </a:rPr>
-              <a:t>, </a:t>
-            </a:r>
-            <a:r>
-              <a:rPr lang="en-IN" sz="2000" b="1" i="0" dirty="0" err="1">
-                <a:solidFill>
-                  <a:srgbClr val="24292F"/>
-                </a:solidFill>
-                <a:effectLst/>
-                <a:latin typeface="-apple-system"/>
-              </a:rPr>
-              <a:t>Polong</a:t>
-            </a:r>
-            <a:r>
-              <a:rPr lang="en-IN" sz="2000" b="1" i="0" dirty="0">
-                <a:solidFill>
-                  <a:srgbClr val="24292F"/>
-                </a:solidFill>
-                <a:effectLst/>
-                <a:latin typeface="-apple-system"/>
-              </a:rPr>
-              <a:t> Lin, Joseph </a:t>
-            </a:r>
-            <a:r>
-              <a:rPr lang="en-IN" sz="2000" b="1" i="0" dirty="0" err="1">
-                <a:solidFill>
-                  <a:srgbClr val="24292F"/>
-                </a:solidFill>
-                <a:effectLst/>
-                <a:latin typeface="-apple-system"/>
-              </a:rPr>
-              <a:t>Santarcangelo</a:t>
-            </a:r>
-            <a:r>
-              <a:rPr lang="en-IN" sz="2000" b="1" i="0" dirty="0">
-                <a:solidFill>
-                  <a:srgbClr val="24292F"/>
-                </a:solidFill>
-                <a:effectLst/>
-                <a:latin typeface="-apple-system"/>
-              </a:rPr>
-              <a:t>, Azim </a:t>
-            </a:r>
-            <a:r>
-              <a:rPr lang="en-IN" sz="2000" b="1" i="0" dirty="0" err="1">
-                <a:solidFill>
-                  <a:srgbClr val="24292F"/>
-                </a:solidFill>
-                <a:effectLst/>
-                <a:latin typeface="-apple-system"/>
-              </a:rPr>
-              <a:t>Hirjani</a:t>
-            </a:r>
-            <a:r>
-              <a:rPr lang="en-IN" sz="2000" b="1" i="0" dirty="0">
-                <a:solidFill>
-                  <a:srgbClr val="24292F"/>
-                </a:solidFill>
-                <a:effectLst/>
-                <a:latin typeface="-apple-system"/>
-              </a:rPr>
-              <a:t>, </a:t>
-            </a:r>
-            <a:r>
-              <a:rPr lang="en-IN" sz="2000" b="1" i="0" dirty="0" err="1">
-                <a:solidFill>
-                  <a:srgbClr val="24292F"/>
-                </a:solidFill>
-                <a:effectLst/>
-                <a:latin typeface="-apple-system"/>
-              </a:rPr>
-              <a:t>Hima</a:t>
-            </a:r>
-            <a:r>
-              <a:rPr lang="en-IN" sz="2000" b="1" i="0" dirty="0">
-                <a:solidFill>
-                  <a:srgbClr val="24292F"/>
-                </a:solidFill>
-                <a:effectLst/>
-                <a:latin typeface="-apple-system"/>
-              </a:rPr>
-              <a:t> Vasudevan, </a:t>
-            </a:r>
-            <a:r>
-              <a:rPr lang="en-IN" sz="2000" b="1" i="0" dirty="0" err="1">
-                <a:solidFill>
-                  <a:srgbClr val="24292F"/>
-                </a:solidFill>
-                <a:effectLst/>
-                <a:latin typeface="-apple-system"/>
-              </a:rPr>
-              <a:t>Saishruthi</a:t>
-            </a:r>
-            <a:r>
-              <a:rPr lang="en-IN" sz="2000" b="1" i="0" dirty="0">
-                <a:solidFill>
-                  <a:srgbClr val="24292F"/>
-                </a:solidFill>
-                <a:effectLst/>
-                <a:latin typeface="-apple-system"/>
-              </a:rPr>
-              <a:t> Swaminathan, Saeed </a:t>
+              <a:t>, Hima Vasudevan, Saishruthi Swaminathan, Saeed </a:t>
             </a:r>
             <a:r>
               <a:rPr lang="en-IN" sz="2000" b="1" i="0" dirty="0" err="1">
@@ -36357,7 +36530,7 @@
           </a:prstGeom>
         </p:spPr>
         <p:txBody>
-          <a:bodyPr vert="horz" wrap="square" lIns="0" tIns="38100" rIns="0" bIns="0" rtlCol="0">
+          <a:bodyPr vert="horz" wrap="square" lIns="0" tIns="38100" rIns="0" bIns="0" rtlCol="0" anchor="t">
             <a:spAutoFit/>
           </a:bodyPr>
           <a:lstStyle/>
@@ -36371,27 +36544,24 @@
               </a:spcBef>
             </a:pPr>
             <a:r>
-              <a:rPr lang="en-IN" sz="1500" u="sng" spc="-10" dirty="0">
-                <a:solidFill>
-                  <a:schemeClr val="bg1"/>
+              <a:rPr lang="en-IN" sz="1500" spc="-10" dirty="0">
+                <a:solidFill>
+                  <a:srgbClr val="0070C0"/>
                 </a:solidFill>
                 <a:uFill>
                   <a:solidFill>
                     <a:srgbClr val="2996E1"/>
                   </a:solidFill>
                 </a:uFill>
-                <a:latin typeface="Carlito"/>
-                <a:cs typeface="Carlito"/>
+                <a:ea typeface="+mn-lt"/>
+                <a:cs typeface="+mn-lt"/>
                 <a:hlinkClick r:id="rId23"/>
               </a:rPr>
-              <a:t>https://github.com/navassherif98/IBM_Data_Science_Professional_Certification/blob/master/10.Applied_Data_Science_Capstone/Week%201%20Introduction/Data%20Collection%20Api%20.ipynb</a:t>
-            </a:r>
-            <a:endParaRPr sz="1500" dirty="0">
-              <a:solidFill>
-                <a:schemeClr val="bg1"/>
-              </a:solidFill>
-              <a:latin typeface="Carlito"/>
-              <a:cs typeface="Carlito"/>
+              <a:t>https://github.com/Tushar552/IBM_Data_Science_Professional_Certification/blob/main/10%20Applied%20data%20science%20capstone/Week%201%20Introduction/Data%20Collection%20Api%20.ipynb</a:t>
+            </a:r>
+            <a:endParaRPr lang="en-US">
+              <a:ea typeface="+mn-lt"/>
+              <a:cs typeface="+mn-lt"/>
             </a:endParaRPr>
           </a:p>
         </p:txBody>
@@ -38200,7 +38370,7 @@
           </a:prstGeom>
         </p:spPr>
         <p:txBody>
-          <a:bodyPr vert="horz" wrap="square" lIns="0" tIns="35560" rIns="0" bIns="0" rtlCol="0">
+          <a:bodyPr vert="horz" wrap="square" lIns="0" tIns="35560" rIns="0" bIns="0" rtlCol="0" anchor="t">
             <a:spAutoFit/>
           </a:bodyPr>
           <a:lstStyle/>
@@ -38214,7 +38384,7 @@
               </a:spcBef>
             </a:pPr>
             <a:r>
-              <a:rPr lang="en-IN" sz="1500" u="sng" spc="-10" dirty="0">
+              <a:rPr lang="en-IN" sz="1500" spc="-10" dirty="0">
                 <a:solidFill>
                   <a:srgbClr val="2996E1"/>
                 </a:solidFill>
@@ -38223,15 +38393,15 @@
                     <a:srgbClr val="2996E1"/>
                   </a:solidFill>
                 </a:uFill>
-                <a:latin typeface="Carlito"/>
-                <a:cs typeface="Carlito"/>
+                <a:ea typeface="+mn-lt"/>
+                <a:cs typeface="+mn-lt"/>
                 <a:hlinkClick r:id="rId17"/>
               </a:rPr>
-              <a:t>https://github.com/navassherif98/IBM_Data_Science_Professional_Certification/blob/master/10.Applied_Data_Science_Capstone/Week%201%20Introduction/Data%20Collection%20with%20Web%20Scraping.ipynb</a:t>
-            </a:r>
-            <a:endParaRPr lang="en-IN" sz="1500" dirty="0">
-              <a:latin typeface="Carlito"/>
-              <a:cs typeface="Carlito"/>
+              <a:t>https://github.com/Tushar552/IBM_Data_Science_Professional_Certification/blob/main/10%20Applied%20data%20science%20capstone/Week%201%20Introduction/Data%20Collection%20with%20Web%20Scraping.ipynb</a:t>
+            </a:r>
+            <a:endParaRPr lang="en-US">
+              <a:ea typeface="+mn-lt"/>
+              <a:cs typeface="+mn-lt"/>
             </a:endParaRPr>
           </a:p>
         </p:txBody>
